--- a/Анализ употребления неологизмов в поэзии В.pptx
+++ b/Анализ употребления неологизмов в поэзии В.pptx
@@ -10265,7 +10265,7 @@
             <p:ph idx="1"/>
             <p:extLst>
               <p:ext uri="{D42A27DB-BD31-4B8C-83A1-F6EECF244321}">
-                <p14:modId xmlns:p14="http://schemas.microsoft.com/office/powerpoint/2010/main" val="323738228"/>
+                <p14:modId xmlns:p14="http://schemas.microsoft.com/office/powerpoint/2010/main" val="2707941718"/>
               </p:ext>
             </p:extLst>
           </p:nvPr>
@@ -10394,13 +10394,27 @@
                         <a:buNone/>
                       </a:pPr>
                       <a:r>
+                        <a:rPr lang="ru-RU" dirty="0" err="1" smtClean="0">
+                          <a:solidFill>
+                            <a:srgbClr val="FF0000"/>
+                          </a:solidFill>
+                        </a:rPr>
+                        <a:t>Осочка</a:t>
+                      </a:r>
+                      <a:r>
                         <a:rPr lang="ru-RU" dirty="0" smtClean="0">
                           <a:solidFill>
                             <a:srgbClr val="FF0000"/>
                           </a:solidFill>
                         </a:rPr>
-                        <a:t>Осочка</a:t>
-                      </a:r>
+                        <a:t> </a:t>
+                      </a:r>
+                    </a:p>
+                    <a:p>
+                      <a:pPr marL="0" indent="0">
+                        <a:buFont typeface="Arial" panose="020B0604020202020204" pitchFamily="34" charset="0"/>
+                        <a:buNone/>
+                      </a:pPr>
                       <a:endParaRPr lang="ru-RU" dirty="0">
                         <a:solidFill>
                           <a:srgbClr val="FF0000"/>
